--- a/src/figs/pptx/0003_4.pptx
+++ b/src/figs/pptx/0003_4.pptx
@@ -5,7 +5,7 @@
     <p:sldMasterId id="2147483648" r:id="rId1"/>
   </p:sldMasterIdLst>
   <p:notesMasterIdLst>
-    <p:notesMasterId r:id="rId22"/>
+    <p:notesMasterId r:id="rId26"/>
   </p:notesMasterIdLst>
   <p:sldIdLst>
     <p:sldId id="256" r:id="rId2"/>
@@ -27,7 +27,11 @@
     <p:sldId id="468" r:id="rId18"/>
     <p:sldId id="469" r:id="rId19"/>
     <p:sldId id="470" r:id="rId20"/>
-    <p:sldId id="457" r:id="rId21"/>
+    <p:sldId id="478" r:id="rId21"/>
+    <p:sldId id="480" r:id="rId22"/>
+    <p:sldId id="479" r:id="rId23"/>
+    <p:sldId id="481" r:id="rId24"/>
+    <p:sldId id="457" r:id="rId25"/>
   </p:sldIdLst>
   <p:sldSz cx="9144000" cy="5143500" type="screen16x9"/>
   <p:notesSz cx="6094413" cy="8794750"/>
@@ -5481,12 +5485,12 @@
           <p:nvPr/>
         </p:nvGraphicFramePr>
         <p:xfrm>
-          <a:off x="914400" y="2993325"/>
-          <a:ext cx="6332538" cy="895350"/>
+          <a:off x="909063" y="2988375"/>
+          <a:ext cx="6557962" cy="895350"/>
         </p:xfrm>
         <a:graphic>
           <a:graphicData uri="http://schemas.openxmlformats.org/presentationml/2006/ole">
-            <p:oleObj spid="_x0000_s122883" name="Equation" r:id="rId4" imgW="3225600" imgH="457200" progId="Equation.3">
+            <p:oleObj spid="_x0000_s122883" name="Equation" r:id="rId4" imgW="3340080" imgH="457200" progId="Equation.3">
               <p:embed/>
             </p:oleObj>
           </a:graphicData>
@@ -5532,6 +5536,10 @@
           <a:bodyPr/>
           <a:lstStyle/>
           <a:p>
+            <a:r>
+              <a:rPr lang="en-US" smtClean="0"/>
+              <a:t>Elemen medan listrik .. muatan garis (lanj.)</a:t>
+            </a:r>
             <a:endParaRPr lang="en-US"/>
           </a:p>
         </p:txBody>
@@ -5551,6 +5559,60 @@
           <a:bodyPr/>
           <a:lstStyle/>
           <a:p>
+            <a:r>
+              <a:rPr lang="en-US" smtClean="0"/>
+              <a:t>Dengan memasukkan batas-batas integral </a:t>
+            </a:r>
+            <a:r>
+              <a:rPr lang="en-US" i="1" smtClean="0">
+                <a:latin typeface="Times New Roman" pitchFamily="18" charset="0"/>
+                <a:cs typeface="Times New Roman" pitchFamily="18" charset="0"/>
+              </a:rPr>
+              <a:t>x</a:t>
+            </a:r>
+            <a:r>
+              <a:rPr lang="en-US" smtClean="0">
+                <a:latin typeface="Times New Roman" pitchFamily="18" charset="0"/>
+                <a:cs typeface="Times New Roman" pitchFamily="18" charset="0"/>
+              </a:rPr>
+              <a:t> = –</a:t>
+            </a:r>
+            <a:r>
+              <a:rPr lang="en-US" i="1" smtClean="0">
+                <a:latin typeface="Times New Roman" pitchFamily="18" charset="0"/>
+                <a:cs typeface="Times New Roman" pitchFamily="18" charset="0"/>
+              </a:rPr>
+              <a:t>a</a:t>
+            </a:r>
+            <a:r>
+              <a:rPr lang="en-US" smtClean="0"/>
+              <a:t> dan </a:t>
+            </a:r>
+            <a:r>
+              <a:rPr lang="en-US" i="1" smtClean="0">
+                <a:latin typeface="Times New Roman" pitchFamily="18" charset="0"/>
+                <a:cs typeface="Times New Roman" pitchFamily="18" charset="0"/>
+              </a:rPr>
+              <a:t>x</a:t>
+            </a:r>
+            <a:r>
+              <a:rPr lang="en-US" smtClean="0">
+                <a:latin typeface="Times New Roman" pitchFamily="18" charset="0"/>
+                <a:cs typeface="Times New Roman" pitchFamily="18" charset="0"/>
+              </a:rPr>
+              <a:t> = </a:t>
+            </a:r>
+            <a:r>
+              <a:rPr lang="en-US" i="1" smtClean="0">
+                <a:latin typeface="Times New Roman" pitchFamily="18" charset="0"/>
+                <a:cs typeface="Times New Roman" pitchFamily="18" charset="0"/>
+              </a:rPr>
+              <a:t>b</a:t>
+            </a:r>
+            <a:r>
+              <a:rPr lang="en-US" smtClean="0"/>
+              <a:t> akan diperoleh hasil</a:t>
+            </a:r>
             <a:endParaRPr lang="en-US"/>
           </a:p>
         </p:txBody>
@@ -5636,6 +5698,46 @@
           </a:p>
         </p:txBody>
       </p:sp>
+      <p:graphicFrame>
+        <p:nvGraphicFramePr>
+          <p:cNvPr id="123906" name="Object 2"/>
+          <p:cNvGraphicFramePr>
+            <a:graphicFrameLocks noChangeAspect="1"/>
+          </p:cNvGraphicFramePr>
+          <p:nvPr/>
+        </p:nvGraphicFramePr>
+        <p:xfrm>
+          <a:off x="909638" y="2014600"/>
+          <a:ext cx="7104063" cy="1146175"/>
+        </p:xfrm>
+        <a:graphic>
+          <a:graphicData uri="http://schemas.openxmlformats.org/presentationml/2006/ole">
+            <p:oleObj spid="_x0000_s123906" name="Equation" r:id="rId3" imgW="3619440" imgH="583920" progId="Equation.3">
+              <p:embed/>
+            </p:oleObj>
+          </a:graphicData>
+        </a:graphic>
+      </p:graphicFrame>
+      <p:graphicFrame>
+        <p:nvGraphicFramePr>
+          <p:cNvPr id="123907" name="Object 3"/>
+          <p:cNvGraphicFramePr>
+            <a:graphicFrameLocks noChangeAspect="1"/>
+          </p:cNvGraphicFramePr>
+          <p:nvPr/>
+        </p:nvGraphicFramePr>
+        <p:xfrm>
+          <a:off x="915538" y="3333750"/>
+          <a:ext cx="7578725" cy="1143000"/>
+        </p:xfrm>
+        <a:graphic>
+          <a:graphicData uri="http://schemas.openxmlformats.org/presentationml/2006/ole">
+            <p:oleObj spid="_x0000_s123907" name="Equation" r:id="rId4" imgW="3860640" imgH="583920" progId="Equation.3">
+              <p:embed/>
+            </p:oleObj>
+          </a:graphicData>
+        </a:graphic>
+      </p:graphicFrame>
     </p:spTree>
   </p:cSld>
   <p:clrMapOvr>
@@ -7311,6 +7413,848 @@
       </p:grpSpPr>
       <p:sp>
         <p:nvSpPr>
+          <p:cNvPr id="2" name="Title 1"/>
+          <p:cNvSpPr>
+            <a:spLocks noGrp="1"/>
+          </p:cNvSpPr>
+          <p:nvPr>
+            <p:ph type="title"/>
+          </p:nvPr>
+        </p:nvSpPr>
+        <p:spPr/>
+        <p:txBody>
+          <a:bodyPr/>
+          <a:lstStyle/>
+          <a:p>
+            <a:r>
+              <a:rPr lang="en-US" smtClean="0"/>
+              <a:t>Latihan </a:t>
+            </a:r>
+            <a:r>
+              <a:rPr lang="en-US" smtClean="0"/>
+              <a:t>4</a:t>
+            </a:r>
+            <a:endParaRPr lang="en-US"/>
+          </a:p>
+        </p:txBody>
+      </p:sp>
+      <p:sp>
+        <p:nvSpPr>
+          <p:cNvPr id="3" name="Content Placeholder 2"/>
+          <p:cNvSpPr>
+            <a:spLocks noGrp="1"/>
+          </p:cNvSpPr>
+          <p:nvPr>
+            <p:ph idx="1"/>
+          </p:nvPr>
+        </p:nvSpPr>
+        <p:spPr/>
+        <p:txBody>
+          <a:bodyPr/>
+          <a:lstStyle/>
+          <a:p>
+            <a:pPr marL="457200" indent="-457200">
+              <a:buFont typeface="+mj-lt"/>
+              <a:buAutoNum type="arabicPeriod" startAt="4"/>
+            </a:pPr>
+            <a:r>
+              <a:rPr lang="en-US" smtClean="0"/>
+              <a:t>Tentukanlah medan listrik</a:t>
+            </a:r>
+            <a:br>
+              <a:rPr lang="en-US" smtClean="0"/>
+            </a:br>
+            <a:r>
+              <a:rPr lang="en-US" smtClean="0"/>
+              <a:t>akibat muatan garis dengan</a:t>
+            </a:r>
+            <a:br>
+              <a:rPr lang="en-US" smtClean="0"/>
+            </a:br>
+            <a:r>
+              <a:rPr lang="en-US" smtClean="0"/>
+              <a:t>rapat muatan panjang sera-</a:t>
+            </a:r>
+            <a:br>
+              <a:rPr lang="en-US" smtClean="0"/>
+            </a:br>
+            <a:r>
+              <a:rPr lang="en-US" smtClean="0"/>
+              <a:t>gam </a:t>
+            </a:r>
+            <a:r>
+              <a:rPr lang="el-GR" i="1" smtClean="0">
+                <a:latin typeface="Times New Roman" pitchFamily="18" charset="0"/>
+                <a:cs typeface="Times New Roman" pitchFamily="18" charset="0"/>
+              </a:rPr>
+              <a:t>λ</a:t>
+            </a:r>
+            <a:r>
+              <a:rPr lang="en-US" smtClean="0">
+                <a:latin typeface="Times New Roman" pitchFamily="18" charset="0"/>
+                <a:cs typeface="Times New Roman" pitchFamily="18" charset="0"/>
+              </a:rPr>
+              <a:t> ≠ </a:t>
+            </a:r>
+            <a:r>
+              <a:rPr lang="el-GR" i="1" smtClean="0">
+                <a:latin typeface="Times New Roman" pitchFamily="18" charset="0"/>
+                <a:cs typeface="Times New Roman" pitchFamily="18" charset="0"/>
+              </a:rPr>
+              <a:t>λ</a:t>
+            </a:r>
+            <a:r>
+              <a:rPr lang="en-US" smtClean="0">
+                <a:latin typeface="Times New Roman" pitchFamily="18" charset="0"/>
+                <a:cs typeface="Times New Roman" pitchFamily="18" charset="0"/>
+              </a:rPr>
+              <a:t>(</a:t>
+            </a:r>
+            <a:r>
+              <a:rPr lang="en-US" i="1" smtClean="0">
+                <a:latin typeface="Times New Roman" pitchFamily="18" charset="0"/>
+                <a:cs typeface="Times New Roman" pitchFamily="18" charset="0"/>
+              </a:rPr>
+              <a:t>x</a:t>
+            </a:r>
+            <a:r>
+              <a:rPr lang="en-US" smtClean="0">
+                <a:latin typeface="Times New Roman" pitchFamily="18" charset="0"/>
+                <a:cs typeface="Times New Roman" pitchFamily="18" charset="0"/>
+              </a:rPr>
+              <a:t>)</a:t>
+            </a:r>
+            <a:r>
+              <a:rPr lang="en-US" smtClean="0"/>
+              <a:t> seperti pada</a:t>
+            </a:r>
+            <a:br>
+              <a:rPr lang="en-US" smtClean="0"/>
+            </a:br>
+            <a:r>
+              <a:rPr lang="en-US" smtClean="0"/>
+              <a:t>gambar di samping kanan</a:t>
+            </a:r>
+          </a:p>
+          <a:p>
+            <a:endParaRPr lang="en-US"/>
+          </a:p>
+        </p:txBody>
+      </p:sp>
+      <p:sp>
+        <p:nvSpPr>
+          <p:cNvPr id="4" name="Date Placeholder 3"/>
+          <p:cNvSpPr>
+            <a:spLocks noGrp="1"/>
+          </p:cNvSpPr>
+          <p:nvPr>
+            <p:ph type="dt" sz="half" idx="10"/>
+          </p:nvPr>
+        </p:nvSpPr>
+        <p:spPr/>
+        <p:txBody>
+          <a:bodyPr/>
+          <a:lstStyle/>
+          <a:p>
+            <a:pPr>
+              <a:defRPr/>
+            </a:pPr>
+            <a:r>
+              <a:rPr lang="en-US" smtClean="0"/>
+              <a:t>2020-2 | FI1202-04</a:t>
+            </a:r>
+            <a:endParaRPr lang="en-US"/>
+          </a:p>
+        </p:txBody>
+      </p:sp>
+      <p:sp>
+        <p:nvSpPr>
+          <p:cNvPr id="5" name="Footer Placeholder 4"/>
+          <p:cNvSpPr>
+            <a:spLocks noGrp="1"/>
+          </p:cNvSpPr>
+          <p:nvPr>
+            <p:ph type="ftr" sz="quarter" idx="11"/>
+          </p:nvPr>
+        </p:nvSpPr>
+        <p:spPr/>
+        <p:txBody>
+          <a:bodyPr/>
+          <a:lstStyle/>
+          <a:p>
+            <a:pPr>
+              <a:defRPr/>
+            </a:pPr>
+            <a:r>
+              <a:rPr lang="en-US" smtClean="0"/>
+              <a:t>2021-02-26 | 40132 | +62</a:t>
+            </a:r>
+            <a:endParaRPr lang="en-US"/>
+          </a:p>
+        </p:txBody>
+      </p:sp>
+      <p:sp>
+        <p:nvSpPr>
+          <p:cNvPr id="6" name="Slide Number Placeholder 5"/>
+          <p:cNvSpPr>
+            <a:spLocks noGrp="1"/>
+          </p:cNvSpPr>
+          <p:nvPr>
+            <p:ph type="sldNum" sz="quarter" idx="12"/>
+          </p:nvPr>
+        </p:nvSpPr>
+        <p:spPr/>
+        <p:txBody>
+          <a:bodyPr/>
+          <a:lstStyle/>
+          <a:p>
+            <a:pPr>
+              <a:defRPr/>
+            </a:pPr>
+            <a:fld id="{F076344D-F0A0-4571-8A46-686886838267}" type="slidenum">
+              <a:rPr lang="en-US" smtClean="0"/>
+              <a:pPr>
+                <a:defRPr/>
+              </a:pPr>
+              <a:t>20</a:t>
+            </a:fld>
+            <a:endParaRPr lang="en-US"/>
+          </a:p>
+        </p:txBody>
+      </p:sp>
+      <p:pic>
+        <p:nvPicPr>
+          <p:cNvPr id="124930" name="Picture 2"/>
+          <p:cNvPicPr>
+            <a:picLocks noChangeAspect="1" noChangeArrowheads="1"/>
+          </p:cNvPicPr>
+          <p:nvPr/>
+        </p:nvPicPr>
+        <p:blipFill>
+          <a:blip r:embed="rId2"/>
+          <a:srcRect/>
+          <a:stretch>
+            <a:fillRect/>
+          </a:stretch>
+        </p:blipFill>
+        <p:spPr bwMode="auto">
+          <a:xfrm>
+            <a:off x="4800600" y="1304924"/>
+            <a:ext cx="3775566" cy="2486026"/>
+          </a:xfrm>
+          <a:prstGeom prst="rect">
+            <a:avLst/>
+          </a:prstGeom>
+          <a:noFill/>
+          <a:ln w="9525">
+            <a:noFill/>
+            <a:miter lim="800000"/>
+            <a:headEnd/>
+            <a:tailEnd/>
+          </a:ln>
+          <a:effectLst/>
+        </p:spPr>
+      </p:pic>
+    </p:spTree>
+  </p:cSld>
+  <p:clrMapOvr>
+    <a:masterClrMapping/>
+  </p:clrMapOvr>
+</p:sld>
+</file>
+
+<file path=ppt/slides/slide21.xml><?xml version="1.0" encoding="utf-8"?>
+<p:sld xmlns:a="http://schemas.openxmlformats.org/drawingml/2006/main" xmlns:r="http://schemas.openxmlformats.org/officeDocument/2006/relationships" xmlns:p="http://schemas.openxmlformats.org/presentationml/2006/main">
+  <p:cSld>
+    <p:spTree>
+      <p:nvGrpSpPr>
+        <p:cNvPr id="1" name=""/>
+        <p:cNvGrpSpPr/>
+        <p:nvPr/>
+      </p:nvGrpSpPr>
+      <p:grpSpPr>
+        <a:xfrm>
+          <a:off x="0" y="0"/>
+          <a:ext cx="0" cy="0"/>
+          <a:chOff x="0" y="0"/>
+          <a:chExt cx="0" cy="0"/>
+        </a:xfrm>
+      </p:grpSpPr>
+      <p:sp>
+        <p:nvSpPr>
+          <p:cNvPr id="2" name="Title 1"/>
+          <p:cNvSpPr>
+            <a:spLocks noGrp="1"/>
+          </p:cNvSpPr>
+          <p:nvPr>
+            <p:ph type="title"/>
+          </p:nvPr>
+        </p:nvSpPr>
+        <p:spPr/>
+        <p:txBody>
+          <a:bodyPr/>
+          <a:lstStyle/>
+          <a:p>
+            <a:r>
+              <a:rPr lang="en-US" smtClean="0"/>
+              <a:t>Latihan </a:t>
+            </a:r>
+            <a:r>
+              <a:rPr lang="en-US" smtClean="0"/>
+              <a:t>4 (lanj.)</a:t>
+            </a:r>
+            <a:endParaRPr lang="en-US"/>
+          </a:p>
+        </p:txBody>
+      </p:sp>
+      <p:sp>
+        <p:nvSpPr>
+          <p:cNvPr id="3" name="Content Placeholder 2"/>
+          <p:cNvSpPr>
+            <a:spLocks noGrp="1"/>
+          </p:cNvSpPr>
+          <p:nvPr>
+            <p:ph idx="1"/>
+          </p:nvPr>
+        </p:nvSpPr>
+        <p:spPr/>
+        <p:txBody>
+          <a:bodyPr/>
+          <a:lstStyle/>
+          <a:p>
+            <a:endParaRPr lang="en-US"/>
+          </a:p>
+        </p:txBody>
+      </p:sp>
+      <p:sp>
+        <p:nvSpPr>
+          <p:cNvPr id="4" name="Date Placeholder 3"/>
+          <p:cNvSpPr>
+            <a:spLocks noGrp="1"/>
+          </p:cNvSpPr>
+          <p:nvPr>
+            <p:ph type="dt" sz="half" idx="10"/>
+          </p:nvPr>
+        </p:nvSpPr>
+        <p:spPr/>
+        <p:txBody>
+          <a:bodyPr/>
+          <a:lstStyle/>
+          <a:p>
+            <a:pPr>
+              <a:defRPr/>
+            </a:pPr>
+            <a:r>
+              <a:rPr lang="en-US" smtClean="0"/>
+              <a:t>2020-2 | FI1202-04</a:t>
+            </a:r>
+            <a:endParaRPr lang="en-US"/>
+          </a:p>
+        </p:txBody>
+      </p:sp>
+      <p:sp>
+        <p:nvSpPr>
+          <p:cNvPr id="5" name="Footer Placeholder 4"/>
+          <p:cNvSpPr>
+            <a:spLocks noGrp="1"/>
+          </p:cNvSpPr>
+          <p:nvPr>
+            <p:ph type="ftr" sz="quarter" idx="11"/>
+          </p:nvPr>
+        </p:nvSpPr>
+        <p:spPr/>
+        <p:txBody>
+          <a:bodyPr/>
+          <a:lstStyle/>
+          <a:p>
+            <a:pPr>
+              <a:defRPr/>
+            </a:pPr>
+            <a:r>
+              <a:rPr lang="en-US" smtClean="0"/>
+              <a:t>2021-02-26 | 40132 | +62</a:t>
+            </a:r>
+            <a:endParaRPr lang="en-US"/>
+          </a:p>
+        </p:txBody>
+      </p:sp>
+      <p:sp>
+        <p:nvSpPr>
+          <p:cNvPr id="6" name="Slide Number Placeholder 5"/>
+          <p:cNvSpPr>
+            <a:spLocks noGrp="1"/>
+          </p:cNvSpPr>
+          <p:nvPr>
+            <p:ph type="sldNum" sz="quarter" idx="12"/>
+          </p:nvPr>
+        </p:nvSpPr>
+        <p:spPr/>
+        <p:txBody>
+          <a:bodyPr/>
+          <a:lstStyle/>
+          <a:p>
+            <a:pPr>
+              <a:defRPr/>
+            </a:pPr>
+            <a:fld id="{F076344D-F0A0-4571-8A46-686886838267}" type="slidenum">
+              <a:rPr lang="en-US" smtClean="0"/>
+              <a:pPr>
+                <a:defRPr/>
+              </a:pPr>
+              <a:t>21</a:t>
+            </a:fld>
+            <a:endParaRPr lang="en-US"/>
+          </a:p>
+        </p:txBody>
+      </p:sp>
+    </p:spTree>
+  </p:cSld>
+  <p:clrMapOvr>
+    <a:masterClrMapping/>
+  </p:clrMapOvr>
+</p:sld>
+</file>
+
+<file path=ppt/slides/slide22.xml><?xml version="1.0" encoding="utf-8"?>
+<p:sld xmlns:a="http://schemas.openxmlformats.org/drawingml/2006/main" xmlns:r="http://schemas.openxmlformats.org/officeDocument/2006/relationships" xmlns:p="http://schemas.openxmlformats.org/presentationml/2006/main">
+  <p:cSld>
+    <p:spTree>
+      <p:nvGrpSpPr>
+        <p:cNvPr id="1" name=""/>
+        <p:cNvGrpSpPr/>
+        <p:nvPr/>
+      </p:nvGrpSpPr>
+      <p:grpSpPr>
+        <a:xfrm>
+          <a:off x="0" y="0"/>
+          <a:ext cx="0" cy="0"/>
+          <a:chOff x="0" y="0"/>
+          <a:chExt cx="0" cy="0"/>
+        </a:xfrm>
+      </p:grpSpPr>
+      <p:sp>
+        <p:nvSpPr>
+          <p:cNvPr id="2" name="Title 1"/>
+          <p:cNvSpPr>
+            <a:spLocks noGrp="1"/>
+          </p:cNvSpPr>
+          <p:nvPr>
+            <p:ph type="title"/>
+          </p:nvPr>
+        </p:nvSpPr>
+        <p:spPr/>
+        <p:txBody>
+          <a:bodyPr/>
+          <a:lstStyle/>
+          <a:p>
+            <a:r>
+              <a:rPr lang="en-US" smtClean="0"/>
+              <a:t>Latihan </a:t>
+            </a:r>
+            <a:r>
+              <a:rPr lang="en-US" smtClean="0"/>
+              <a:t>5</a:t>
+            </a:r>
+            <a:endParaRPr lang="en-US"/>
+          </a:p>
+        </p:txBody>
+      </p:sp>
+      <p:sp>
+        <p:nvSpPr>
+          <p:cNvPr id="3" name="Content Placeholder 2"/>
+          <p:cNvSpPr>
+            <a:spLocks noGrp="1"/>
+          </p:cNvSpPr>
+          <p:nvPr>
+            <p:ph idx="1"/>
+          </p:nvPr>
+        </p:nvSpPr>
+        <p:spPr/>
+        <p:txBody>
+          <a:bodyPr/>
+          <a:lstStyle/>
+          <a:p>
+            <a:pPr marL="457200" indent="-457200">
+              <a:buFont typeface="+mj-lt"/>
+              <a:buAutoNum type="arabicPeriod" startAt="5"/>
+            </a:pPr>
+            <a:r>
+              <a:rPr lang="en-US" smtClean="0"/>
+              <a:t>Tentukanlah medan listrik</a:t>
+            </a:r>
+            <a:br>
+              <a:rPr lang="en-US" smtClean="0"/>
+            </a:br>
+            <a:r>
+              <a:rPr lang="en-US" smtClean="0"/>
+              <a:t>akibat muatan garis dengan</a:t>
+            </a:r>
+            <a:br>
+              <a:rPr lang="en-US" smtClean="0"/>
+            </a:br>
+            <a:r>
+              <a:rPr lang="en-US" smtClean="0"/>
+              <a:t>rapat muatan panjang sera-</a:t>
+            </a:r>
+            <a:br>
+              <a:rPr lang="en-US" smtClean="0"/>
+            </a:br>
+            <a:r>
+              <a:rPr lang="en-US" smtClean="0"/>
+              <a:t>gam </a:t>
+            </a:r>
+            <a:r>
+              <a:rPr lang="el-GR" i="1" smtClean="0">
+                <a:latin typeface="Times New Roman" pitchFamily="18" charset="0"/>
+                <a:cs typeface="Times New Roman" pitchFamily="18" charset="0"/>
+              </a:rPr>
+              <a:t>λ</a:t>
+            </a:r>
+            <a:r>
+              <a:rPr lang="en-US" smtClean="0">
+                <a:latin typeface="Times New Roman" pitchFamily="18" charset="0"/>
+                <a:cs typeface="Times New Roman" pitchFamily="18" charset="0"/>
+              </a:rPr>
+              <a:t> ≠ </a:t>
+            </a:r>
+            <a:r>
+              <a:rPr lang="el-GR" i="1" smtClean="0">
+                <a:latin typeface="Times New Roman" pitchFamily="18" charset="0"/>
+                <a:cs typeface="Times New Roman" pitchFamily="18" charset="0"/>
+              </a:rPr>
+              <a:t>λ</a:t>
+            </a:r>
+            <a:r>
+              <a:rPr lang="en-US" smtClean="0">
+                <a:latin typeface="Times New Roman" pitchFamily="18" charset="0"/>
+                <a:cs typeface="Times New Roman" pitchFamily="18" charset="0"/>
+              </a:rPr>
+              <a:t>(</a:t>
+            </a:r>
+            <a:r>
+              <a:rPr lang="en-US" i="1" smtClean="0">
+                <a:latin typeface="Times New Roman" pitchFamily="18" charset="0"/>
+                <a:cs typeface="Times New Roman" pitchFamily="18" charset="0"/>
+              </a:rPr>
+              <a:t>x</a:t>
+            </a:r>
+            <a:r>
+              <a:rPr lang="en-US" smtClean="0">
+                <a:latin typeface="Times New Roman" pitchFamily="18" charset="0"/>
+                <a:cs typeface="Times New Roman" pitchFamily="18" charset="0"/>
+              </a:rPr>
+              <a:t>)</a:t>
+            </a:r>
+            <a:r>
+              <a:rPr lang="en-US" smtClean="0"/>
+              <a:t> seperti pada</a:t>
+            </a:r>
+            <a:br>
+              <a:rPr lang="en-US" smtClean="0"/>
+            </a:br>
+            <a:r>
+              <a:rPr lang="en-US" smtClean="0"/>
+              <a:t>gambar di samping kanan</a:t>
+            </a:r>
+          </a:p>
+          <a:p>
+            <a:endParaRPr lang="en-US"/>
+          </a:p>
+        </p:txBody>
+      </p:sp>
+      <p:sp>
+        <p:nvSpPr>
+          <p:cNvPr id="4" name="Date Placeholder 3"/>
+          <p:cNvSpPr>
+            <a:spLocks noGrp="1"/>
+          </p:cNvSpPr>
+          <p:nvPr>
+            <p:ph type="dt" sz="half" idx="10"/>
+          </p:nvPr>
+        </p:nvSpPr>
+        <p:spPr/>
+        <p:txBody>
+          <a:bodyPr/>
+          <a:lstStyle/>
+          <a:p>
+            <a:pPr>
+              <a:defRPr/>
+            </a:pPr>
+            <a:r>
+              <a:rPr lang="en-US" smtClean="0"/>
+              <a:t>2020-2 | FI1202-04</a:t>
+            </a:r>
+            <a:endParaRPr lang="en-US"/>
+          </a:p>
+        </p:txBody>
+      </p:sp>
+      <p:sp>
+        <p:nvSpPr>
+          <p:cNvPr id="5" name="Footer Placeholder 4"/>
+          <p:cNvSpPr>
+            <a:spLocks noGrp="1"/>
+          </p:cNvSpPr>
+          <p:nvPr>
+            <p:ph type="ftr" sz="quarter" idx="11"/>
+          </p:nvPr>
+        </p:nvSpPr>
+        <p:spPr/>
+        <p:txBody>
+          <a:bodyPr/>
+          <a:lstStyle/>
+          <a:p>
+            <a:pPr>
+              <a:defRPr/>
+            </a:pPr>
+            <a:r>
+              <a:rPr lang="en-US" smtClean="0"/>
+              <a:t>2021-02-26 | 40132 | +62</a:t>
+            </a:r>
+            <a:endParaRPr lang="en-US"/>
+          </a:p>
+        </p:txBody>
+      </p:sp>
+      <p:sp>
+        <p:nvSpPr>
+          <p:cNvPr id="6" name="Slide Number Placeholder 5"/>
+          <p:cNvSpPr>
+            <a:spLocks noGrp="1"/>
+          </p:cNvSpPr>
+          <p:nvPr>
+            <p:ph type="sldNum" sz="quarter" idx="12"/>
+          </p:nvPr>
+        </p:nvSpPr>
+        <p:spPr/>
+        <p:txBody>
+          <a:bodyPr/>
+          <a:lstStyle/>
+          <a:p>
+            <a:pPr>
+              <a:defRPr/>
+            </a:pPr>
+            <a:fld id="{F076344D-F0A0-4571-8A46-686886838267}" type="slidenum">
+              <a:rPr lang="en-US" smtClean="0"/>
+              <a:pPr>
+                <a:defRPr/>
+              </a:pPr>
+              <a:t>22</a:t>
+            </a:fld>
+            <a:endParaRPr lang="en-US"/>
+          </a:p>
+        </p:txBody>
+      </p:sp>
+      <p:pic>
+        <p:nvPicPr>
+          <p:cNvPr id="7" name="Picture 3"/>
+          <p:cNvPicPr>
+            <a:picLocks noChangeAspect="1" noChangeArrowheads="1"/>
+          </p:cNvPicPr>
+          <p:nvPr/>
+        </p:nvPicPr>
+        <p:blipFill>
+          <a:blip r:embed="rId2"/>
+          <a:srcRect/>
+          <a:stretch>
+            <a:fillRect/>
+          </a:stretch>
+        </p:blipFill>
+        <p:spPr bwMode="auto">
+          <a:xfrm>
+            <a:off x="4836225" y="1247092"/>
+            <a:ext cx="3276600" cy="2543857"/>
+          </a:xfrm>
+          <a:prstGeom prst="rect">
+            <a:avLst/>
+          </a:prstGeom>
+          <a:noFill/>
+          <a:ln w="9525">
+            <a:noFill/>
+            <a:miter lim="800000"/>
+            <a:headEnd/>
+            <a:tailEnd/>
+          </a:ln>
+          <a:effectLst/>
+        </p:spPr>
+      </p:pic>
+    </p:spTree>
+  </p:cSld>
+  <p:clrMapOvr>
+    <a:masterClrMapping/>
+  </p:clrMapOvr>
+</p:sld>
+</file>
+
+<file path=ppt/slides/slide23.xml><?xml version="1.0" encoding="utf-8"?>
+<p:sld xmlns:a="http://schemas.openxmlformats.org/drawingml/2006/main" xmlns:r="http://schemas.openxmlformats.org/officeDocument/2006/relationships" xmlns:p="http://schemas.openxmlformats.org/presentationml/2006/main">
+  <p:cSld>
+    <p:spTree>
+      <p:nvGrpSpPr>
+        <p:cNvPr id="1" name=""/>
+        <p:cNvGrpSpPr/>
+        <p:nvPr/>
+      </p:nvGrpSpPr>
+      <p:grpSpPr>
+        <a:xfrm>
+          <a:off x="0" y="0"/>
+          <a:ext cx="0" cy="0"/>
+          <a:chOff x="0" y="0"/>
+          <a:chExt cx="0" cy="0"/>
+        </a:xfrm>
+      </p:grpSpPr>
+      <p:sp>
+        <p:nvSpPr>
+          <p:cNvPr id="2" name="Title 1"/>
+          <p:cNvSpPr>
+            <a:spLocks noGrp="1"/>
+          </p:cNvSpPr>
+          <p:nvPr>
+            <p:ph type="title"/>
+          </p:nvPr>
+        </p:nvSpPr>
+        <p:spPr/>
+        <p:txBody>
+          <a:bodyPr/>
+          <a:lstStyle/>
+          <a:p>
+            <a:r>
+              <a:rPr lang="en-US" smtClean="0"/>
+              <a:t>Latihan </a:t>
+            </a:r>
+            <a:r>
+              <a:rPr lang="en-US" smtClean="0"/>
+              <a:t>5 (lanj.)</a:t>
+            </a:r>
+            <a:endParaRPr lang="en-US"/>
+          </a:p>
+        </p:txBody>
+      </p:sp>
+      <p:sp>
+        <p:nvSpPr>
+          <p:cNvPr id="3" name="Content Placeholder 2"/>
+          <p:cNvSpPr>
+            <a:spLocks noGrp="1"/>
+          </p:cNvSpPr>
+          <p:nvPr>
+            <p:ph idx="1"/>
+          </p:nvPr>
+        </p:nvSpPr>
+        <p:spPr/>
+        <p:txBody>
+          <a:bodyPr/>
+          <a:lstStyle/>
+          <a:p>
+            <a:endParaRPr lang="en-US"/>
+          </a:p>
+        </p:txBody>
+      </p:sp>
+      <p:sp>
+        <p:nvSpPr>
+          <p:cNvPr id="4" name="Date Placeholder 3"/>
+          <p:cNvSpPr>
+            <a:spLocks noGrp="1"/>
+          </p:cNvSpPr>
+          <p:nvPr>
+            <p:ph type="dt" sz="half" idx="10"/>
+          </p:nvPr>
+        </p:nvSpPr>
+        <p:spPr/>
+        <p:txBody>
+          <a:bodyPr/>
+          <a:lstStyle/>
+          <a:p>
+            <a:pPr>
+              <a:defRPr/>
+            </a:pPr>
+            <a:r>
+              <a:rPr lang="en-US" smtClean="0"/>
+              <a:t>2020-2 | FI1202-04</a:t>
+            </a:r>
+            <a:endParaRPr lang="en-US"/>
+          </a:p>
+        </p:txBody>
+      </p:sp>
+      <p:sp>
+        <p:nvSpPr>
+          <p:cNvPr id="5" name="Footer Placeholder 4"/>
+          <p:cNvSpPr>
+            <a:spLocks noGrp="1"/>
+          </p:cNvSpPr>
+          <p:nvPr>
+            <p:ph type="ftr" sz="quarter" idx="11"/>
+          </p:nvPr>
+        </p:nvSpPr>
+        <p:spPr/>
+        <p:txBody>
+          <a:bodyPr/>
+          <a:lstStyle/>
+          <a:p>
+            <a:pPr>
+              <a:defRPr/>
+            </a:pPr>
+            <a:r>
+              <a:rPr lang="en-US" smtClean="0"/>
+              <a:t>2021-02-26 | 40132 | +62</a:t>
+            </a:r>
+            <a:endParaRPr lang="en-US"/>
+          </a:p>
+        </p:txBody>
+      </p:sp>
+      <p:sp>
+        <p:nvSpPr>
+          <p:cNvPr id="6" name="Slide Number Placeholder 5"/>
+          <p:cNvSpPr>
+            <a:spLocks noGrp="1"/>
+          </p:cNvSpPr>
+          <p:nvPr>
+            <p:ph type="sldNum" sz="quarter" idx="12"/>
+          </p:nvPr>
+        </p:nvSpPr>
+        <p:spPr/>
+        <p:txBody>
+          <a:bodyPr/>
+          <a:lstStyle/>
+          <a:p>
+            <a:pPr>
+              <a:defRPr/>
+            </a:pPr>
+            <a:fld id="{F076344D-F0A0-4571-8A46-686886838267}" type="slidenum">
+              <a:rPr lang="en-US" smtClean="0"/>
+              <a:pPr>
+                <a:defRPr/>
+              </a:pPr>
+              <a:t>23</a:t>
+            </a:fld>
+            <a:endParaRPr lang="en-US"/>
+          </a:p>
+        </p:txBody>
+      </p:sp>
+    </p:spTree>
+  </p:cSld>
+  <p:clrMapOvr>
+    <a:masterClrMapping/>
+  </p:clrMapOvr>
+</p:sld>
+</file>
+
+<file path=ppt/slides/slide24.xml><?xml version="1.0" encoding="utf-8"?>
+<p:sld xmlns:a="http://schemas.openxmlformats.org/drawingml/2006/main" xmlns:r="http://schemas.openxmlformats.org/officeDocument/2006/relationships" xmlns:p="http://schemas.openxmlformats.org/presentationml/2006/main">
+  <p:cSld>
+    <p:spTree>
+      <p:nvGrpSpPr>
+        <p:cNvPr id="1" name=""/>
+        <p:cNvGrpSpPr/>
+        <p:nvPr/>
+      </p:nvGrpSpPr>
+      <p:grpSpPr>
+        <a:xfrm>
+          <a:off x="0" y="0"/>
+          <a:ext cx="0" cy="0"/>
+          <a:chOff x="0" y="0"/>
+          <a:chExt cx="0" cy="0"/>
+        </a:xfrm>
+      </p:grpSpPr>
+      <p:sp>
+        <p:nvSpPr>
           <p:cNvPr id="43010" name="Date Placeholder 3"/>
           <p:cNvSpPr>
             <a:spLocks noGrp="1"/>
@@ -7390,7 +8334,7 @@
               <a:pPr>
                 <a:defRPr/>
               </a:pPr>
-              <a:t>20</a:t>
+              <a:t>24</a:t>
             </a:fld>
             <a:endParaRPr lang="en-US"/>
           </a:p>
@@ -9123,19 +10067,19 @@
       </p:sp>
       <p:graphicFrame>
         <p:nvGraphicFramePr>
-          <p:cNvPr id="105474" name="Object 2"/>
+          <p:cNvPr id="105475" name="Object 3"/>
           <p:cNvGraphicFramePr>
             <a:graphicFrameLocks noChangeAspect="1"/>
           </p:cNvGraphicFramePr>
           <p:nvPr/>
         </p:nvGraphicFramePr>
         <p:xfrm>
-          <a:off x="838200" y="2495550"/>
-          <a:ext cx="3440113" cy="896938"/>
+          <a:off x="844550" y="2495550"/>
+          <a:ext cx="3814763" cy="896938"/>
         </p:xfrm>
         <a:graphic>
           <a:graphicData uri="http://schemas.openxmlformats.org/presentationml/2006/ole">
-            <p:oleObj spid="_x0000_s105474" name="Equation" r:id="rId3" imgW="1752480" imgH="457200" progId="Equation.3">
+            <p:oleObj spid="_x0000_s105475" name="Equation" r:id="rId3" imgW="1942920" imgH="457200" progId="Equation.3">
               <p:embed/>
             </p:oleObj>
           </a:graphicData>
